--- a/Präsentation/Präsentation.pptx
+++ b/Präsentation/Präsentation.pptx
@@ -7,7 +7,7 @@
     <p:sldMasterId id="2147483700" r:id="rId3"/>
   </p:sldMasterIdLst>
   <p:notesMasterIdLst>
-    <p:notesMasterId r:id="rId23"/>
+    <p:notesMasterId r:id="rId24"/>
   </p:notesMasterIdLst>
   <p:sldIdLst>
     <p:sldId id="288" r:id="rId4"/>
@@ -28,7 +28,8 @@
     <p:sldId id="305" r:id="rId19"/>
     <p:sldId id="304" r:id="rId20"/>
     <p:sldId id="307" r:id="rId21"/>
-    <p:sldId id="306" r:id="rId22"/>
+    <p:sldId id="309" r:id="rId22"/>
+    <p:sldId id="306" r:id="rId23"/>
   </p:sldIdLst>
   <p:sldSz cx="12192000" cy="6858000"/>
   <p:notesSz cx="6858000" cy="9144000"/>
@@ -150,6 +151,7 @@
             <p14:sldId id="305"/>
             <p14:sldId id="304"/>
             <p14:sldId id="307"/>
+            <p14:sldId id="309"/>
             <p14:sldId id="306"/>
           </p14:sldIdLst>
         </p14:section>
@@ -256,7 +258,7 @@
           <a:p>
             <a:fld id="{760E077B-0C74-43F8-A8F0-763424D86A05}" type="datetimeFigureOut">
               <a:rPr lang="en-GB" smtClean="0"/>
-              <a:t>01/02/2026</a:t>
+              <a:t>02/02/2026</a:t>
             </a:fld>
             <a:endParaRPr lang="en-GB"/>
           </a:p>
@@ -3055,7 +3057,7 @@
           <a:p>
             <a:fld id="{9D727573-42BB-4F36-8F39-184152B7AE02}" type="datetime1">
               <a:rPr lang="en-GB" smtClean="0"/>
-              <a:t>01/02/2026</a:t>
+              <a:t>02/02/2026</a:t>
             </a:fld>
             <a:endParaRPr lang="en-GB"/>
           </a:p>
@@ -3376,7 +3378,7 @@
           <a:p>
             <a:fld id="{BBA844AD-C68C-4970-805E-BF134659F233}" type="datetime1">
               <a:rPr lang="en-GB" smtClean="0"/>
-              <a:t>01/02/2026</a:t>
+              <a:t>02/02/2026</a:t>
             </a:fld>
             <a:endParaRPr lang="en-GB"/>
           </a:p>
@@ -3552,7 +3554,7 @@
           <a:p>
             <a:fld id="{FD49BB54-4E32-429D-B562-D3905A9FF108}" type="datetime1">
               <a:rPr lang="en-GB" smtClean="0"/>
-              <a:t>01/02/2026</a:t>
+              <a:t>02/02/2026</a:t>
             </a:fld>
             <a:endParaRPr lang="en-GB"/>
           </a:p>
@@ -3652,7 +3654,7 @@
           <a:p>
             <a:fld id="{7645D100-EB17-426A-B449-C3470FA29998}" type="datetime1">
               <a:rPr lang="en-GB" smtClean="0"/>
-              <a:t>01/02/2026</a:t>
+              <a:t>02/02/2026</a:t>
             </a:fld>
             <a:endParaRPr lang="en-GB"/>
           </a:p>
@@ -3902,7 +3904,7 @@
           <a:p>
             <a:fld id="{31A913D8-0B24-4D14-A8E4-0C35EB011D58}" type="datetime1">
               <a:rPr lang="en-GB" smtClean="0"/>
-              <a:t>01/02/2026</a:t>
+              <a:t>02/02/2026</a:t>
             </a:fld>
             <a:endParaRPr lang="en-GB"/>
           </a:p>
@@ -4654,7 +4656,7 @@
           <a:p>
             <a:fld id="{D56B93CC-4366-4DE3-B3C2-F4F32A4713ED}" type="datetime1">
               <a:rPr lang="en-GB" smtClean="0"/>
-              <a:t>01/02/2026</a:t>
+              <a:t>02/02/2026</a:t>
             </a:fld>
             <a:endParaRPr lang="en-GB"/>
           </a:p>
@@ -5121,7 +5123,7 @@
           <a:p>
             <a:fld id="{4F9AB770-86C7-4C4A-9048-E428CE023D74}" type="datetime1">
               <a:rPr lang="en-GB" smtClean="0"/>
-              <a:t>01/02/2026</a:t>
+              <a:t>02/02/2026</a:t>
             </a:fld>
             <a:endParaRPr lang="en-GB"/>
           </a:p>
@@ -5409,7 +5411,7 @@
           <a:p>
             <a:fld id="{650B9808-3D91-4B59-ACC7-2BBFCFEC2D33}" type="datetime1">
               <a:rPr lang="en-GB" smtClean="0"/>
-              <a:t>01/02/2026</a:t>
+              <a:t>02/02/2026</a:t>
             </a:fld>
             <a:endParaRPr lang="en-GB"/>
           </a:p>
@@ -5735,7 +5737,7 @@
           <a:p>
             <a:fld id="{4176D7EB-6F03-4A91-99B1-6193EA3FBCF4}" type="datetime1">
               <a:rPr lang="en-GB" smtClean="0"/>
-              <a:t>01/02/2026</a:t>
+              <a:t>02/02/2026</a:t>
             </a:fld>
             <a:endParaRPr lang="en-GB"/>
           </a:p>
@@ -6066,7 +6068,7 @@
           <a:p>
             <a:fld id="{79387916-6C42-48A9-864B-4D9559E9DBDA}" type="datetime1">
               <a:rPr lang="en-GB" smtClean="0"/>
-              <a:t>01/02/2026</a:t>
+              <a:t>02/02/2026</a:t>
             </a:fld>
             <a:endParaRPr lang="en-GB"/>
           </a:p>
@@ -6313,7 +6315,7 @@
           <a:p>
             <a:fld id="{3831AD19-2E72-4230-9EAC-781CE5F2843B}" type="datetime1">
               <a:rPr lang="en-GB" smtClean="0"/>
-              <a:t>01/02/2026</a:t>
+              <a:t>02/02/2026</a:t>
             </a:fld>
             <a:endParaRPr lang="en-GB"/>
           </a:p>
@@ -6647,7 +6649,7 @@
           <a:p>
             <a:fld id="{BBC70DA3-451B-4078-BB35-0611754378DB}" type="datetime1">
               <a:rPr lang="en-GB" smtClean="0"/>
-              <a:t>01/02/2026</a:t>
+              <a:t>02/02/2026</a:t>
             </a:fld>
             <a:endParaRPr lang="en-GB"/>
           </a:p>
@@ -6935,7 +6937,7 @@
           <a:p>
             <a:fld id="{84B900FB-622B-4D76-8618-02CC2A768B48}" type="datetime1">
               <a:rPr lang="en-GB" smtClean="0"/>
-              <a:t>01/02/2026</a:t>
+              <a:t>02/02/2026</a:t>
             </a:fld>
             <a:endParaRPr lang="en-GB"/>
           </a:p>
@@ -7233,7 +7235,7 @@
           <a:p>
             <a:fld id="{CDD0143F-006D-4689-AB34-3FCC5E5A8E3B}" type="datetime1">
               <a:rPr lang="en-GB" smtClean="0"/>
-              <a:t>01/02/2026</a:t>
+              <a:t>02/02/2026</a:t>
             </a:fld>
             <a:endParaRPr lang="en-GB"/>
           </a:p>
@@ -7665,7 +7667,7 @@
           <a:p>
             <a:fld id="{EB80AD03-19E9-41FE-A7F9-0BFF81008150}" type="datetime1">
               <a:rPr lang="en-GB" smtClean="0"/>
-              <a:t>01/02/2026</a:t>
+              <a:t>02/02/2026</a:t>
             </a:fld>
             <a:endParaRPr lang="en-GB"/>
           </a:p>
@@ -7919,7 +7921,7 @@
           <a:p>
             <a:fld id="{DF591A64-26E5-4077-9BA0-E9BD15A14019}" type="datetime1">
               <a:rPr lang="en-GB" smtClean="0"/>
-              <a:t>01/02/2026</a:t>
+              <a:t>02/02/2026</a:t>
             </a:fld>
             <a:endParaRPr lang="en-GB"/>
           </a:p>
@@ -8095,7 +8097,7 @@
           <a:p>
             <a:fld id="{8DC2DE8B-923D-4015-8CB5-BAF6A6480190}" type="datetime1">
               <a:rPr lang="en-GB" smtClean="0"/>
-              <a:t>01/02/2026</a:t>
+              <a:t>02/02/2026</a:t>
             </a:fld>
             <a:endParaRPr lang="en-GB"/>
           </a:p>
@@ -8195,7 +8197,7 @@
           <a:p>
             <a:fld id="{338D389C-2950-457A-BCB4-33E1B552FF3F}" type="datetime1">
               <a:rPr lang="en-GB" smtClean="0"/>
-              <a:t>01/02/2026</a:t>
+              <a:t>02/02/2026</a:t>
             </a:fld>
             <a:endParaRPr lang="en-GB"/>
           </a:p>
@@ -8445,7 +8447,7 @@
           <a:p>
             <a:fld id="{02D6CF02-34AF-4811-A20A-0BB8A2C91E41}" type="datetime1">
               <a:rPr lang="en-GB" smtClean="0"/>
-              <a:t>01/02/2026</a:t>
+              <a:t>02/02/2026</a:t>
             </a:fld>
             <a:endParaRPr lang="en-GB"/>
           </a:p>
@@ -9197,7 +9199,7 @@
           <a:p>
             <a:fld id="{52A77277-8773-4401-BB67-C0BA00819524}" type="datetime1">
               <a:rPr lang="en-GB" smtClean="0"/>
-              <a:t>01/02/2026</a:t>
+              <a:t>02/02/2026</a:t>
             </a:fld>
             <a:endParaRPr lang="en-GB"/>
           </a:p>
@@ -9700,7 +9702,7 @@
           <a:p>
             <a:fld id="{AB95F934-5D1E-45E2-8A8C-59CD7BDB74E8}" type="datetime1">
               <a:rPr lang="en-GB" smtClean="0"/>
-              <a:t>01/02/2026</a:t>
+              <a:t>02/02/2026</a:t>
             </a:fld>
             <a:endParaRPr lang="en-GB"/>
           </a:p>
@@ -10024,7 +10026,7 @@
           <a:p>
             <a:fld id="{17BC0988-D6B1-4E3D-9DB9-8E2799B4068F}" type="datetime1">
               <a:rPr lang="en-GB" smtClean="0"/>
-              <a:t>01/02/2026</a:t>
+              <a:t>02/02/2026</a:t>
             </a:fld>
             <a:endParaRPr lang="en-GB"/>
           </a:p>
@@ -10260,7 +10262,7 @@
           <a:p>
             <a:fld id="{C785008A-6858-4169-95BB-E1A411961340}" type="datetime1">
               <a:rPr lang="en-GB" smtClean="0"/>
-              <a:t>01/02/2026</a:t>
+              <a:t>02/02/2026</a:t>
             </a:fld>
             <a:endParaRPr lang="en-GB"/>
           </a:p>
@@ -10578,7 +10580,7 @@
           <a:p>
             <a:fld id="{B379BB35-F2C2-4B85-B127-D5E6336C021A}" type="datetime1">
               <a:rPr lang="en-GB" smtClean="0"/>
-              <a:t>01/02/2026</a:t>
+              <a:t>02/02/2026</a:t>
             </a:fld>
             <a:endParaRPr lang="en-GB"/>
           </a:p>
@@ -10909,7 +10911,7 @@
           <a:p>
             <a:fld id="{9C70ADD8-2720-4F10-9C33-1D12B544414F}" type="datetime1">
               <a:rPr lang="en-GB" smtClean="0"/>
-              <a:t>01/02/2026</a:t>
+              <a:t>02/02/2026</a:t>
             </a:fld>
             <a:endParaRPr lang="en-GB"/>
           </a:p>
@@ -11108,7 +11110,7 @@
           <a:p>
             <a:fld id="{4B1B4CD7-D465-476D-BE61-54C70F959B0D}" type="datetime1">
               <a:rPr lang="en-GB" smtClean="0"/>
-              <a:t>01/02/2026</a:t>
+              <a:t>02/02/2026</a:t>
             </a:fld>
             <a:endParaRPr lang="en-GB"/>
           </a:p>
@@ -11336,7 +11338,7 @@
           <a:p>
             <a:fld id="{C1FAFA70-5FF8-4EE8-97C1-E5C5441BEC6D}" type="datetime1">
               <a:rPr lang="en-GB" smtClean="0"/>
-              <a:t>01/02/2026</a:t>
+              <a:t>02/02/2026</a:t>
             </a:fld>
             <a:endParaRPr lang="en-GB"/>
           </a:p>
@@ -11634,7 +11636,7 @@
           <a:p>
             <a:fld id="{CDBA611C-7C29-42D9-B08A-22BF31364170}" type="datetime1">
               <a:rPr lang="en-GB" smtClean="0"/>
-              <a:t>01/02/2026</a:t>
+              <a:t>02/02/2026</a:t>
             </a:fld>
             <a:endParaRPr lang="en-GB"/>
           </a:p>
@@ -12066,7 +12068,7 @@
           <a:p>
             <a:fld id="{EA4DD85D-588E-4363-B222-901FC02E3D7F}" type="datetime1">
               <a:rPr lang="en-GB" smtClean="0"/>
-              <a:t>01/02/2026</a:t>
+              <a:t>02/02/2026</a:t>
             </a:fld>
             <a:endParaRPr lang="en-GB"/>
           </a:p>
@@ -12320,7 +12322,7 @@
           <a:p>
             <a:fld id="{3E78620A-78CA-41CD-BBDF-952623FDD040}" type="datetime1">
               <a:rPr lang="en-GB" smtClean="0"/>
-              <a:t>01/02/2026</a:t>
+              <a:t>02/02/2026</a:t>
             </a:fld>
             <a:endParaRPr lang="en-GB"/>
           </a:p>
@@ -12496,7 +12498,7 @@
           <a:p>
             <a:fld id="{AEF68F4A-37D0-4BAB-BCB7-400AF2E6E5A8}" type="datetime1">
               <a:rPr lang="en-GB" smtClean="0"/>
-              <a:t>01/02/2026</a:t>
+              <a:t>02/02/2026</a:t>
             </a:fld>
             <a:endParaRPr lang="en-GB"/>
           </a:p>
@@ -12596,7 +12598,7 @@
           <a:p>
             <a:fld id="{23298CBC-17CA-400B-A2EB-682CD7D39548}" type="datetime1">
               <a:rPr lang="en-GB" smtClean="0"/>
-              <a:t>01/02/2026</a:t>
+              <a:t>02/02/2026</a:t>
             </a:fld>
             <a:endParaRPr lang="en-GB"/>
           </a:p>
@@ -12816,7 +12818,7 @@
           <a:p>
             <a:fld id="{1F8F42B5-6901-4B4F-A750-C550D2D21C2C}" type="datetime1">
               <a:rPr lang="en-GB" smtClean="0"/>
-              <a:t>01/02/2026</a:t>
+              <a:t>02/02/2026</a:t>
             </a:fld>
             <a:endParaRPr lang="en-GB"/>
           </a:p>
@@ -13147,7 +13149,7 @@
           <a:p>
             <a:fld id="{A527B8C7-77D0-4291-BFF5-477AC85887FE}" type="datetime1">
               <a:rPr lang="en-GB" smtClean="0"/>
-              <a:t>01/02/2026</a:t>
+              <a:t>02/02/2026</a:t>
             </a:fld>
             <a:endParaRPr lang="en-GB"/>
           </a:p>
@@ -13394,7 +13396,7 @@
           <a:p>
             <a:fld id="{5406313C-DFC9-469D-8614-FBA90886DD38}" type="datetime1">
               <a:rPr lang="en-GB" smtClean="0"/>
-              <a:t>01/02/2026</a:t>
+              <a:t>02/02/2026</a:t>
             </a:fld>
             <a:endParaRPr lang="en-GB"/>
           </a:p>
@@ -13574,7 +13576,7 @@
           <a:p>
             <a:fld id="{C5B6D264-2F1A-47F8-BED1-DA99BD287BAF}" type="datetime1">
               <a:rPr lang="en-GB" smtClean="0"/>
-              <a:t>01/02/2026</a:t>
+              <a:t>02/02/2026</a:t>
             </a:fld>
             <a:endParaRPr lang="en-GB"/>
           </a:p>
@@ -13872,7 +13874,7 @@
           <a:p>
             <a:fld id="{3318AB04-C01E-479C-BC7C-1F016ECFB31D}" type="datetime1">
               <a:rPr lang="en-GB" smtClean="0"/>
-              <a:t>01/02/2026</a:t>
+              <a:t>02/02/2026</a:t>
             </a:fld>
             <a:endParaRPr lang="en-GB"/>
           </a:p>
@@ -14304,7 +14306,7 @@
           <a:p>
             <a:fld id="{166DA3BD-E072-4C59-A401-D51295FB05CC}" type="datetime1">
               <a:rPr lang="en-GB" smtClean="0"/>
-              <a:t>01/02/2026</a:t>
+              <a:t>02/02/2026</a:t>
             </a:fld>
             <a:endParaRPr lang="en-GB"/>
           </a:p>
@@ -14649,7 +14651,7 @@
           <a:p>
             <a:fld id="{BAE36C76-451E-41E9-94FC-44CAEB92CDB6}" type="datetime1">
               <a:rPr lang="en-GB" smtClean="0"/>
-              <a:t>01/02/2026</a:t>
+              <a:t>02/02/2026</a:t>
             </a:fld>
             <a:endParaRPr lang="en-GB"/>
           </a:p>
@@ -15389,7 +15391,7 @@
           <a:p>
             <a:fld id="{D028B867-8982-4F4F-B293-A8F411BA31F4}" type="datetime1">
               <a:rPr lang="en-GB" smtClean="0"/>
-              <a:t>01/02/2026</a:t>
+              <a:t>02/02/2026</a:t>
             </a:fld>
             <a:endParaRPr lang="en-GB"/>
           </a:p>
@@ -16129,7 +16131,7 @@
           <a:p>
             <a:fld id="{28B80E4A-F2A2-4CE0-81C0-CFA39EBCD7E5}" type="datetime1">
               <a:rPr lang="en-GB" smtClean="0"/>
-              <a:t>01/02/2026</a:t>
+              <a:t>02/02/2026</a:t>
             </a:fld>
             <a:endParaRPr lang="en-GB"/>
           </a:p>
@@ -18679,7 +18681,7 @@
           <a:p>
             <a:r>
               <a:rPr lang="de-DE" dirty="0"/>
-              <a:t>Gute Hyperparameter bei GA und DE finden</a:t>
+              <a:t>Gute Hyperparameter finden</a:t>
             </a:r>
           </a:p>
           <a:p>
@@ -19050,10 +19052,35 @@
       </p:grpSpPr>
       <p:sp>
         <p:nvSpPr>
+          <p:cNvPr id="2" name="Textplatzhalter 1">
+            <a:extLst>
+              <a:ext uri="{FF2B5EF4-FFF2-40B4-BE49-F238E27FC236}">
+                <a16:creationId xmlns:a16="http://schemas.microsoft.com/office/drawing/2014/main" id="{16CB6679-270D-D9D8-33B2-122B1DB61AD3}"/>
+              </a:ext>
+            </a:extLst>
+          </p:cNvPr>
+          <p:cNvSpPr>
+            <a:spLocks noGrp="1"/>
+          </p:cNvSpPr>
+          <p:nvPr>
+            <p:ph type="body" sz="quarter" idx="24"/>
+          </p:nvPr>
+        </p:nvSpPr>
+        <p:spPr/>
+        <p:txBody>
+          <a:bodyPr/>
+          <a:lstStyle/>
+          <a:p>
+            <a:endParaRPr lang="de-DE"/>
+          </a:p>
+        </p:txBody>
+      </p:sp>
+      <p:sp>
+        <p:nvSpPr>
           <p:cNvPr id="3" name="Foliennummernplatzhalter 2">
             <a:extLst>
               <a:ext uri="{FF2B5EF4-FFF2-40B4-BE49-F238E27FC236}">
-                <a16:creationId xmlns:a16="http://schemas.microsoft.com/office/drawing/2014/main" id="{AD500B75-3BB3-6DF1-8585-9CA58EECABF4}"/>
+                <a16:creationId xmlns:a16="http://schemas.microsoft.com/office/drawing/2014/main" id="{056A92FA-1D7C-E3CC-74D9-8D1B1C9B129C}"/>
               </a:ext>
             </a:extLst>
           </p:cNvPr>
@@ -19061,7 +19088,7 @@
             <a:spLocks noGrp="1"/>
           </p:cNvSpPr>
           <p:nvPr>
-            <p:ph type="sldNum" sz="quarter" idx="12"/>
+            <p:ph type="sldNum" sz="quarter" idx="18"/>
           </p:nvPr>
         </p:nvSpPr>
         <p:spPr/>
@@ -19077,93 +19104,65 @@
           </a:p>
         </p:txBody>
       </p:sp>
-      <p:pic>
-        <p:nvPicPr>
-          <p:cNvPr id="11" name="Inhaltsplatzhalter 10">
+      <p:sp>
+        <p:nvSpPr>
+          <p:cNvPr id="4" name="Titel 3">
             <a:extLst>
               <a:ext uri="{FF2B5EF4-FFF2-40B4-BE49-F238E27FC236}">
-                <a16:creationId xmlns:a16="http://schemas.microsoft.com/office/drawing/2014/main" id="{E10FFFDC-E7A6-A011-7D4D-629B27B45D25}"/>
+                <a16:creationId xmlns:a16="http://schemas.microsoft.com/office/drawing/2014/main" id="{0B0A4483-A7BB-FF66-8AC2-191EAB75740E}"/>
               </a:ext>
             </a:extLst>
           </p:cNvPr>
-          <p:cNvPicPr>
-            <a:picLocks noGrp="1" noChangeAspect="1"/>
-          </p:cNvPicPr>
-          <p:nvPr>
-            <p:ph sz="quarter" idx="4294967295"/>
-          </p:nvPr>
-        </p:nvPicPr>
-        <p:blipFill>
-          <a:blip r:embed="rId2">
-            <a:extLst>
-              <a:ext uri="{28A0092B-C50C-407E-A947-70E740481C1C}">
-                <a14:useLocalDpi xmlns:a14="http://schemas.microsoft.com/office/drawing/2010/main" val="0"/>
-              </a:ext>
-            </a:extLst>
-          </a:blip>
-          <a:stretch>
-            <a:fillRect/>
-          </a:stretch>
-        </p:blipFill>
-        <p:spPr>
-          <a:xfrm>
-            <a:off x="1690795" y="395691"/>
-            <a:ext cx="8810410" cy="5869031"/>
-          </a:xfrm>
-          <a:effectLst>
-            <a:softEdge rad="88900"/>
-          </a:effectLst>
-        </p:spPr>
-      </p:pic>
-      <p:sp>
-        <p:nvSpPr>
-          <p:cNvPr id="12" name="Textfeld 11">
+          <p:cNvSpPr>
+            <a:spLocks noGrp="1"/>
+          </p:cNvSpPr>
+          <p:nvPr>
+            <p:ph type="title"/>
+          </p:nvPr>
+        </p:nvSpPr>
+        <p:spPr/>
+        <p:txBody>
+          <a:bodyPr>
+            <a:normAutofit fontScale="90000"/>
+          </a:bodyPr>
+          <a:lstStyle/>
+          <a:p>
+            <a:r>
+              <a:rPr lang="de-DE" dirty="0"/>
+              <a:t>Demo</a:t>
+            </a:r>
+          </a:p>
+        </p:txBody>
+      </p:sp>
+      <p:sp>
+        <p:nvSpPr>
+          <p:cNvPr id="5" name="Inhaltsplatzhalter 4">
             <a:extLst>
               <a:ext uri="{FF2B5EF4-FFF2-40B4-BE49-F238E27FC236}">
-                <a16:creationId xmlns:a16="http://schemas.microsoft.com/office/drawing/2014/main" id="{9A0606C1-DF9C-DAAF-FA54-601985B8F846}"/>
+                <a16:creationId xmlns:a16="http://schemas.microsoft.com/office/drawing/2014/main" id="{D8FA5B0C-3DC9-8F51-363E-EADAE289B28D}"/>
               </a:ext>
             </a:extLst>
           </p:cNvPr>
-          <p:cNvSpPr txBox="1"/>
-          <p:nvPr/>
-        </p:nvSpPr>
-        <p:spPr>
-          <a:xfrm>
-            <a:off x="8356984" y="6242051"/>
-            <a:ext cx="3566160" cy="404812"/>
-          </a:xfrm>
-          <a:prstGeom prst="rect">
-            <a:avLst/>
-          </a:prstGeom>
-          <a:noFill/>
-        </p:spPr>
-        <p:txBody>
-          <a:bodyPr wrap="none" lIns="108000" tIns="36000" rIns="108000" bIns="108000" rtlCol="0">
-            <a:normAutofit/>
-          </a:bodyPr>
+          <p:cNvSpPr>
+            <a:spLocks noGrp="1"/>
+          </p:cNvSpPr>
+          <p:nvPr>
+            <p:ph sz="quarter" idx="21"/>
+          </p:nvPr>
+        </p:nvSpPr>
+        <p:spPr/>
+        <p:txBody>
+          <a:bodyPr/>
           <a:lstStyle/>
           <a:p>
-            <a:pPr algn="l">
-              <a:spcAft>
-                <a:spcPts val="600"/>
-              </a:spcAft>
-              <a:buClr>
-                <a:schemeClr val="tx2"/>
-              </a:buClr>
-            </a:pPr>
-            <a:r>
-              <a:rPr lang="de-DE" sz="1200" dirty="0">
-                <a:ea typeface="Roboto Medium" panose="02000000000000000000" pitchFamily="2" charset="0"/>
-              </a:rPr>
-              <a:t>Bild: Generiert mit ChatGPT</a:t>
-            </a:r>
+            <a:endParaRPr lang="de-DE"/>
           </a:p>
         </p:txBody>
       </p:sp>
     </p:spTree>
     <p:extLst>
       <p:ext uri="{BB962C8B-B14F-4D97-AF65-F5344CB8AC3E}">
-        <p14:creationId xmlns:p14="http://schemas.microsoft.com/office/powerpoint/2010/main" val="3921130143"/>
+        <p14:creationId xmlns:p14="http://schemas.microsoft.com/office/powerpoint/2010/main" val="3808162638"/>
       </p:ext>
     </p:extLst>
   </p:cSld>
@@ -19302,7 +19301,7 @@
           <a:p>
             <a:r>
               <a:rPr lang="de-DE" dirty="0"/>
-              <a:t>Problemstellung &amp; Ziel der Arbeit</a:t>
+              <a:t>Problemstellung &amp; Ziele der Arbeit</a:t>
             </a:r>
           </a:p>
           <a:p>
@@ -19335,6 +19334,148 @@
     <p:extLst>
       <p:ext uri="{BB962C8B-B14F-4D97-AF65-F5344CB8AC3E}">
         <p14:creationId xmlns:p14="http://schemas.microsoft.com/office/powerpoint/2010/main" val="2233037246"/>
+      </p:ext>
+    </p:extLst>
+  </p:cSld>
+  <p:clrMapOvr>
+    <a:masterClrMapping/>
+  </p:clrMapOvr>
+</p:sld>
+</file>
+
+<file path=ppt/slides/slide20.xml><?xml version="1.0" encoding="utf-8"?>
+<p:sld xmlns:a="http://schemas.openxmlformats.org/drawingml/2006/main" xmlns:r="http://schemas.openxmlformats.org/officeDocument/2006/relationships" xmlns:p="http://schemas.openxmlformats.org/presentationml/2006/main">
+  <p:cSld>
+    <p:spTree>
+      <p:nvGrpSpPr>
+        <p:cNvPr id="1" name=""/>
+        <p:cNvGrpSpPr/>
+        <p:nvPr/>
+      </p:nvGrpSpPr>
+      <p:grpSpPr>
+        <a:xfrm>
+          <a:off x="0" y="0"/>
+          <a:ext cx="0" cy="0"/>
+          <a:chOff x="0" y="0"/>
+          <a:chExt cx="0" cy="0"/>
+        </a:xfrm>
+      </p:grpSpPr>
+      <p:sp>
+        <p:nvSpPr>
+          <p:cNvPr id="3" name="Foliennummernplatzhalter 2">
+            <a:extLst>
+              <a:ext uri="{FF2B5EF4-FFF2-40B4-BE49-F238E27FC236}">
+                <a16:creationId xmlns:a16="http://schemas.microsoft.com/office/drawing/2014/main" id="{AD500B75-3BB3-6DF1-8585-9CA58EECABF4}"/>
+              </a:ext>
+            </a:extLst>
+          </p:cNvPr>
+          <p:cNvSpPr>
+            <a:spLocks noGrp="1"/>
+          </p:cNvSpPr>
+          <p:nvPr>
+            <p:ph type="sldNum" sz="quarter" idx="12"/>
+          </p:nvPr>
+        </p:nvSpPr>
+        <p:spPr/>
+        <p:txBody>
+          <a:bodyPr/>
+          <a:lstStyle/>
+          <a:p>
+            <a:fld id="{D1BF17DE-DB4A-4A58-B2AB-A2EB22A2F426}" type="slidenum">
+              <a:rPr lang="en-GB" smtClean="0"/>
+              <a:t>20</a:t>
+            </a:fld>
+            <a:endParaRPr lang="en-GB" dirty="0"/>
+          </a:p>
+        </p:txBody>
+      </p:sp>
+      <p:pic>
+        <p:nvPicPr>
+          <p:cNvPr id="11" name="Inhaltsplatzhalter 10">
+            <a:extLst>
+              <a:ext uri="{FF2B5EF4-FFF2-40B4-BE49-F238E27FC236}">
+                <a16:creationId xmlns:a16="http://schemas.microsoft.com/office/drawing/2014/main" id="{E10FFFDC-E7A6-A011-7D4D-629B27B45D25}"/>
+              </a:ext>
+            </a:extLst>
+          </p:cNvPr>
+          <p:cNvPicPr>
+            <a:picLocks noGrp="1" noChangeAspect="1"/>
+          </p:cNvPicPr>
+          <p:nvPr>
+            <p:ph sz="quarter" idx="4294967295"/>
+          </p:nvPr>
+        </p:nvPicPr>
+        <p:blipFill>
+          <a:blip r:embed="rId2">
+            <a:extLst>
+              <a:ext uri="{28A0092B-C50C-407E-A947-70E740481C1C}">
+                <a14:useLocalDpi xmlns:a14="http://schemas.microsoft.com/office/drawing/2010/main" val="0"/>
+              </a:ext>
+            </a:extLst>
+          </a:blip>
+          <a:stretch>
+            <a:fillRect/>
+          </a:stretch>
+        </p:blipFill>
+        <p:spPr>
+          <a:xfrm>
+            <a:off x="1690795" y="395691"/>
+            <a:ext cx="8810410" cy="5869031"/>
+          </a:xfrm>
+          <a:effectLst>
+            <a:softEdge rad="88900"/>
+          </a:effectLst>
+        </p:spPr>
+      </p:pic>
+      <p:sp>
+        <p:nvSpPr>
+          <p:cNvPr id="12" name="Textfeld 11">
+            <a:extLst>
+              <a:ext uri="{FF2B5EF4-FFF2-40B4-BE49-F238E27FC236}">
+                <a16:creationId xmlns:a16="http://schemas.microsoft.com/office/drawing/2014/main" id="{9A0606C1-DF9C-DAAF-FA54-601985B8F846}"/>
+              </a:ext>
+            </a:extLst>
+          </p:cNvPr>
+          <p:cNvSpPr txBox="1"/>
+          <p:nvPr/>
+        </p:nvSpPr>
+        <p:spPr>
+          <a:xfrm>
+            <a:off x="8356984" y="6242051"/>
+            <a:ext cx="3566160" cy="404812"/>
+          </a:xfrm>
+          <a:prstGeom prst="rect">
+            <a:avLst/>
+          </a:prstGeom>
+          <a:noFill/>
+        </p:spPr>
+        <p:txBody>
+          <a:bodyPr wrap="none" lIns="108000" tIns="36000" rIns="108000" bIns="108000" rtlCol="0">
+            <a:normAutofit/>
+          </a:bodyPr>
+          <a:lstStyle/>
+          <a:p>
+            <a:pPr algn="l">
+              <a:spcAft>
+                <a:spcPts val="600"/>
+              </a:spcAft>
+              <a:buClr>
+                <a:schemeClr val="tx2"/>
+              </a:buClr>
+            </a:pPr>
+            <a:r>
+              <a:rPr lang="de-DE" sz="1200" dirty="0">
+                <a:ea typeface="Roboto Medium" panose="02000000000000000000" pitchFamily="2" charset="0"/>
+              </a:rPr>
+              <a:t>Bild: Generiert mit ChatGPT</a:t>
+            </a:r>
+          </a:p>
+        </p:txBody>
+      </p:sp>
+    </p:spTree>
+    <p:extLst>
+      <p:ext uri="{BB962C8B-B14F-4D97-AF65-F5344CB8AC3E}">
+        <p14:creationId xmlns:p14="http://schemas.microsoft.com/office/powerpoint/2010/main" val="3921130143"/>
       </p:ext>
     </p:extLst>
   </p:cSld>
@@ -21038,8 +21179,8 @@
         </p:nvSpPr>
         <p:spPr>
           <a:xfrm>
-            <a:off x="806031" y="1449391"/>
-            <a:ext cx="11048009" cy="2108972"/>
+            <a:off x="806031" y="1449390"/>
+            <a:ext cx="11048009" cy="2520097"/>
           </a:xfrm>
           <a:prstGeom prst="rect">
             <a:avLst/>
@@ -21047,7 +21188,7 @@
         </p:spPr>
         <p:txBody>
           <a:bodyPr vert="horz" lIns="0" tIns="0" rIns="0" bIns="0" rtlCol="0">
-            <a:normAutofit fontScale="92500" lnSpcReduction="20000"/>
+            <a:normAutofit fontScale="85000" lnSpcReduction="20000"/>
           </a:bodyPr>
           <a:lstStyle>
             <a:lvl1pPr marL="251874" indent="-251874" algn="l" defTabSz="609463" rtl="0" eaLnBrk="1" latinLnBrk="0" hangingPunct="1">
@@ -21209,6 +21350,9 @@
               </a:defRPr>
             </a:lvl9pPr>
           </a:lstStyle>
+          <a:p>
+            <a:endParaRPr lang="de-DE" noProof="0" dirty="0"/>
+          </a:p>
           <a:p>
             <a:r>
               <a:rPr lang="de-DE" noProof="0" dirty="0"/>
@@ -21458,7 +21602,7 @@
             </a:br>
             <a:r>
               <a:rPr lang="de-DE" sz="1600" noProof="0" dirty="0"/>
-              <a:t>- Vorhandene Tuning-Goals nicht ausreichend</a:t>
+              <a:t>- Vorhandene Tuning-Goals nicht immer ausreichend</a:t>
             </a:r>
             <a:br>
               <a:rPr lang="de-DE" sz="1600" noProof="0" dirty="0"/>
@@ -21700,8 +21844,8 @@
         </p:nvSpPr>
         <p:spPr>
           <a:xfrm>
-            <a:off x="806031" y="1449391"/>
-            <a:ext cx="11048009" cy="2108972"/>
+            <a:off x="806031" y="1449390"/>
+            <a:ext cx="11048009" cy="2520097"/>
           </a:xfrm>
           <a:prstGeom prst="rect">
             <a:avLst/>
@@ -21709,7 +21853,7 @@
         </p:spPr>
         <p:txBody>
           <a:bodyPr vert="horz" lIns="0" tIns="0" rIns="0" bIns="0" rtlCol="0">
-            <a:normAutofit fontScale="92500" lnSpcReduction="20000"/>
+            <a:normAutofit fontScale="85000" lnSpcReduction="20000"/>
           </a:bodyPr>
           <a:lstStyle>
             <a:lvl1pPr marL="251874" indent="-251874" algn="l" defTabSz="609463" rtl="0" eaLnBrk="1" latinLnBrk="0" hangingPunct="1">
@@ -21871,6 +22015,9 @@
               </a:defRPr>
             </a:lvl9pPr>
           </a:lstStyle>
+          <a:p>
+            <a:endParaRPr lang="de-DE" noProof="0" dirty="0"/>
+          </a:p>
           <a:p>
             <a:r>
               <a:rPr lang="de-DE" noProof="0" dirty="0"/>
@@ -22379,8 +22526,8 @@
           <a:p>
             <a:pPr lvl="1"/>
             <a:r>
-              <a:rPr lang="de-DE" sz="1600" noProof="0" dirty="0"/>
-              <a:t>Gezielte Optimierung des Reglers mit Berücksichtigung der Sättigungen im System</a:t>
+              <a:rPr lang="de-CH" sz="1600" dirty="0"/>
+              <a:t>Die Optimierung des Reglers erfolgt unter Berücksichtigung der Sättigungen im System.</a:t>
             </a:r>
           </a:p>
           <a:p>
